--- a/translations/en-us/beyond/EV3PiLight.pptx
+++ b/translations/en-us/beyond/EV3PiLight.pptx
@@ -210,7 +210,7 @@
           <a:p>
             <a:fld id="{B56219CF-C82C-D140-AFDA-2B230CE4D65C}" type="datetimeFigureOut">
               <a:rPr lang="en-US" smtClean="0"/>
-              <a:t>2/1/2016</a:t>
+              <a:t>2/4/2016</a:t>
             </a:fld>
             <a:endParaRPr lang="en-US"/>
           </a:p>
@@ -609,7 +609,7 @@
           <a:p>
             <a:fld id="{6659CB61-2DEA-4517-A987-AB225A195277}" type="datetime1">
               <a:rPr lang="en-US" smtClean="0"/>
-              <a:t>2/1/2016</a:t>
+              <a:t>2/4/2016</a:t>
             </a:fld>
             <a:endParaRPr lang="en-US" dirty="0"/>
           </a:p>
@@ -1185,7 +1185,7 @@
           <a:p>
             <a:fld id="{3E8288C0-0A62-4E52-9821-76D6869F313E}" type="datetime1">
               <a:rPr lang="en-US" smtClean="0"/>
-              <a:t>2/1/2016</a:t>
+              <a:t>2/4/2016</a:t>
             </a:fld>
             <a:endParaRPr lang="en-US" dirty="0"/>
           </a:p>
@@ -1369,7 +1369,7 @@
           <a:p>
             <a:fld id="{9F802595-7B31-4117-8085-05F09E43AD07}" type="datetime1">
               <a:rPr lang="en-US" smtClean="0"/>
-              <a:t>2/1/2016</a:t>
+              <a:t>2/4/2016</a:t>
             </a:fld>
             <a:endParaRPr lang="en-US" dirty="0"/>
           </a:p>
@@ -1553,7 +1553,7 @@
           <a:p>
             <a:fld id="{9AC84248-B266-49D2-85E8-2F0F7F2E1C16}" type="datetime1">
               <a:rPr lang="en-US" smtClean="0"/>
-              <a:t>2/1/2016</a:t>
+              <a:t>2/4/2016</a:t>
             </a:fld>
             <a:endParaRPr lang="en-US" dirty="0"/>
           </a:p>
@@ -1829,7 +1829,7 @@
           <a:p>
             <a:fld id="{1AF1CA78-EF42-49DA-B1BC-E88C07BA5961}" type="datetime1">
               <a:rPr lang="en-US" smtClean="0"/>
-              <a:t>2/1/2016</a:t>
+              <a:t>2/4/2016</a:t>
             </a:fld>
             <a:endParaRPr lang="en-US" dirty="0"/>
           </a:p>
@@ -2283,7 +2283,7 @@
           <a:p>
             <a:fld id="{57DB22FE-60EE-4D9A-9374-8DAA1CE49218}" type="datetime1">
               <a:rPr lang="en-US" smtClean="0"/>
-              <a:t>2/1/2016</a:t>
+              <a:t>2/4/2016</a:t>
             </a:fld>
             <a:endParaRPr lang="en-US" dirty="0"/>
           </a:p>
@@ -2764,7 +2764,7 @@
           <a:p>
             <a:fld id="{28C131BF-DE6D-40FE-873C-B3EA788CC217}" type="datetime1">
               <a:rPr lang="en-US" smtClean="0"/>
-              <a:t>2/1/2016</a:t>
+              <a:t>2/4/2016</a:t>
             </a:fld>
             <a:endParaRPr lang="en-US" dirty="0"/>
           </a:p>
@@ -2886,7 +2886,7 @@
           <a:p>
             <a:fld id="{EFBB1A3B-79DC-4968-A99F-0815B05292E7}" type="datetime1">
               <a:rPr lang="en-US" smtClean="0"/>
-              <a:t>2/1/2016</a:t>
+              <a:t>2/4/2016</a:t>
             </a:fld>
             <a:endParaRPr lang="en-US" dirty="0"/>
           </a:p>
@@ -2985,7 +2985,7 @@
           <a:p>
             <a:fld id="{171D39CC-C161-4DE6-8CA4-37828BB976AD}" type="datetime1">
               <a:rPr lang="en-US" smtClean="0"/>
-              <a:t>2/1/2016</a:t>
+              <a:t>2/4/2016</a:t>
             </a:fld>
             <a:endParaRPr lang="en-US" dirty="0"/>
           </a:p>
@@ -3337,7 +3337,7 @@
           <a:p>
             <a:fld id="{58C73D84-F863-4EEF-8D47-14C23CFB4A27}" type="datetime1">
               <a:rPr lang="en-US" smtClean="0"/>
-              <a:t>2/1/2016</a:t>
+              <a:t>2/4/2016</a:t>
             </a:fld>
             <a:endParaRPr lang="en-US" dirty="0"/>
           </a:p>
@@ -3769,7 +3769,7 @@
           <a:p>
             <a:fld id="{116CE153-30F2-4103-8692-C979032A9042}" type="datetime1">
               <a:rPr lang="en-US" smtClean="0"/>
-              <a:t>2/1/2016</a:t>
+              <a:t>2/4/2016</a:t>
             </a:fld>
             <a:endParaRPr lang="en-US" dirty="0"/>
           </a:p>
@@ -4086,7 +4086,7 @@
           <a:p>
             <a:fld id="{829560A7-9765-403C-8C2C-3F4CCC292F8A}" type="datetime1">
               <a:rPr lang="en-US" smtClean="0"/>
-              <a:t>2/1/2016</a:t>
+              <a:t>2/4/2016</a:t>
             </a:fld>
             <a:endParaRPr lang="en-US" dirty="0"/>
           </a:p>
@@ -5439,9 +5439,55 @@
           </a:p>
         </p:txBody>
       </p:sp>
+      <p:sp>
+        <p:nvSpPr>
+          <p:cNvPr id="4" name="Footer Placeholder 3"/>
+          <p:cNvSpPr>
+            <a:spLocks noGrp="1"/>
+          </p:cNvSpPr>
+          <p:nvPr>
+            <p:ph type="ftr" sz="quarter" idx="11"/>
+          </p:nvPr>
+        </p:nvSpPr>
+        <p:spPr/>
+        <p:txBody>
+          <a:bodyPr/>
+          <a:lstStyle/>
+          <a:p>
+            <a:r>
+              <a:rPr lang="en-US" smtClean="0"/>
+              <a:t>© EV3Lessons 2016 (Last Update: 2/1/2016)</a:t>
+            </a:r>
+            <a:endParaRPr lang="en-US" dirty="0"/>
+          </a:p>
+        </p:txBody>
+      </p:sp>
+      <p:sp>
+        <p:nvSpPr>
+          <p:cNvPr id="5" name="Slide Number Placeholder 4"/>
+          <p:cNvSpPr>
+            <a:spLocks noGrp="1"/>
+          </p:cNvSpPr>
+          <p:nvPr>
+            <p:ph type="sldNum" sz="quarter" idx="12"/>
+          </p:nvPr>
+        </p:nvSpPr>
+        <p:spPr/>
+        <p:txBody>
+          <a:bodyPr/>
+          <a:lstStyle/>
+          <a:p>
+            <a:fld id="{4FAB73BC-B049-4115-A692-8D63A059BFB8}" type="slidenum">
+              <a:rPr lang="en-US" smtClean="0"/>
+              <a:t>13</a:t>
+            </a:fld>
+            <a:endParaRPr lang="en-US" dirty="0"/>
+          </a:p>
+        </p:txBody>
+      </p:sp>
       <p:pic>
         <p:nvPicPr>
-          <p:cNvPr id="6" name="Content Placeholder 5" descr="Screen Clipping"/>
+          <p:cNvPr id="7" name="Content Placeholder 6" descr="Screen Clipping"/>
           <p:cNvPicPr>
             <a:picLocks noGrp="1" noChangeAspect="1"/>
           </p:cNvPicPr>
@@ -5457,57 +5503,11 @@
         </p:blipFill>
         <p:spPr>
           <a:xfrm>
-            <a:off x="333375" y="2426929"/>
-            <a:ext cx="8451850" cy="2745505"/>
+            <a:off x="333375" y="2329668"/>
+            <a:ext cx="8451850" cy="2940027"/>
           </a:xfrm>
         </p:spPr>
       </p:pic>
-      <p:sp>
-        <p:nvSpPr>
-          <p:cNvPr id="4" name="Footer Placeholder 3"/>
-          <p:cNvSpPr>
-            <a:spLocks noGrp="1"/>
-          </p:cNvSpPr>
-          <p:nvPr>
-            <p:ph type="ftr" sz="quarter" idx="11"/>
-          </p:nvPr>
-        </p:nvSpPr>
-        <p:spPr/>
-        <p:txBody>
-          <a:bodyPr/>
-          <a:lstStyle/>
-          <a:p>
-            <a:r>
-              <a:rPr lang="en-US" smtClean="0"/>
-              <a:t>© EV3Lessons 2016 (Last Update: 2/1/2016)</a:t>
-            </a:r>
-            <a:endParaRPr lang="en-US" dirty="0"/>
-          </a:p>
-        </p:txBody>
-      </p:sp>
-      <p:sp>
-        <p:nvSpPr>
-          <p:cNvPr id="5" name="Slide Number Placeholder 4"/>
-          <p:cNvSpPr>
-            <a:spLocks noGrp="1"/>
-          </p:cNvSpPr>
-          <p:nvPr>
-            <p:ph type="sldNum" sz="quarter" idx="12"/>
-          </p:nvPr>
-        </p:nvSpPr>
-        <p:spPr/>
-        <p:txBody>
-          <a:bodyPr/>
-          <a:lstStyle/>
-          <a:p>
-            <a:fld id="{4FAB73BC-B049-4115-A692-8D63A059BFB8}" type="slidenum">
-              <a:rPr lang="en-US" smtClean="0"/>
-              <a:t>13</a:t>
-            </a:fld>
-            <a:endParaRPr lang="en-US" dirty="0"/>
-          </a:p>
-        </p:txBody>
-      </p:sp>
     </p:spTree>
     <p:extLst>
       <p:ext uri="{BB962C8B-B14F-4D97-AF65-F5344CB8AC3E}">
@@ -5687,7 +5687,6 @@
               <a:rPr lang="en-US" sz="1800" dirty="0" smtClean="0"/>
               <a:t> for the code to connect a Raspberry Pi to an EV3</a:t>
             </a:r>
-            <a:endParaRPr lang="en-US" sz="1800" dirty="0" smtClean="0"/>
           </a:p>
         </p:txBody>
       </p:sp>
@@ -5739,7 +5738,7 @@
           <a:effectLst/>
           <a:extLst>
             <a:ext uri="{91240B29-F687-4f45-9708-019B960494DF}">
-              <a14:hiddenLine xmlns="" xmlns:a14="http://schemas.microsoft.com/office/drawing/2010/main" w="9525">
+              <a14:hiddenLine xmlns:a14="http://schemas.microsoft.com/office/drawing/2010/main" xmlns="" w="9525">
                 <a:solidFill>
                   <a:schemeClr val="tx1"/>
                 </a:solidFill>
@@ -5749,7 +5748,7 @@
               </a14:hiddenLine>
             </a:ext>
             <a:ext uri="{AF507438-7753-43e0-B8FC-AC1667EBCBE1}">
-              <a14:hiddenEffects xmlns="" xmlns:a14="http://schemas.microsoft.com/office/drawing/2010/main">
+              <a14:hiddenEffects xmlns:a14="http://schemas.microsoft.com/office/drawing/2010/main" xmlns="">
                 <a:effectLst>
                   <a:outerShdw dist="35921" dir="2700000" algn="ctr" rotWithShape="0">
                     <a:schemeClr val="bg2"/>
@@ -6102,7 +6101,7 @@
           <a:noFill/>
           <a:extLst>
             <a:ext uri="{909E8E84-426E-40dd-AFC4-6F175D3DCCD1}">
-              <a14:hiddenFill xmlns="" xmlns:a14="http://schemas.microsoft.com/office/drawing/2010/main">
+              <a14:hiddenFill xmlns:a14="http://schemas.microsoft.com/office/drawing/2010/main" xmlns="">
                 <a:solidFill>
                   <a:srgbClr val="FFFFFF"/>
                 </a:solidFill>
@@ -6456,7 +6455,6 @@
               <a:rPr lang="en-US" dirty="0" smtClean="0"/>
               <a:t>(for the Raspberry Pi)</a:t>
             </a:r>
-            <a:endParaRPr lang="en-US" dirty="0" smtClean="0"/>
           </a:p>
           <a:p>
             <a:r>
@@ -6805,7 +6803,6 @@
               <a:rPr lang="en-US" dirty="0" smtClean="0"/>
               <a:t>Make sure you arrange the wires correctly based on the sensor you own. (You can use a volt meter to arrange the wires correctly – to identify ground, voltage and ground)</a:t>
             </a:r>
-            <a:endParaRPr lang="en-US" dirty="0" smtClean="0"/>
           </a:p>
           <a:p>
             <a:r>
@@ -8444,11 +8441,7 @@
           <a:p>
             <a:r>
               <a:rPr lang="en-US" dirty="0" smtClean="0"/>
-              <a:t>Step </a:t>
-            </a:r>
-            <a:r>
-              <a:rPr lang="en-US" dirty="0" smtClean="0"/>
-              <a:t>3: Record All Remote Buttons</a:t>
+              <a:t>Step 3: Record All Remote Buttons</a:t>
             </a:r>
             <a:endParaRPr lang="en-US" dirty="0"/>
           </a:p>
@@ -9147,11 +9140,7 @@
           <a:p>
             <a:r>
               <a:rPr lang="en-US" dirty="0" smtClean="0"/>
-              <a:t>Step </a:t>
-            </a:r>
-            <a:r>
-              <a:rPr lang="en-US" dirty="0" smtClean="0"/>
-              <a:t>4: Send IR signals with Pi</a:t>
+              <a:t>Step 4: Send IR signals with Pi</a:t>
             </a:r>
             <a:endParaRPr lang="en-US" dirty="0"/>
           </a:p>
@@ -9483,15 +9472,7 @@
           <a:p>
             <a:r>
               <a:rPr lang="en-US" dirty="0" smtClean="0"/>
-              <a:t>Step </a:t>
-            </a:r>
-            <a:r>
-              <a:rPr lang="en-US" dirty="0" smtClean="0"/>
-              <a:t>5: Bluetooth EV3 to Pi </a:t>
-            </a:r>
-            <a:r>
-              <a:rPr lang="en-US" dirty="0" smtClean="0"/>
-              <a:t>(If you are not already connected)</a:t>
+              <a:t>Step 5: Bluetooth EV3 to Pi (If you are not already connected)</a:t>
             </a:r>
             <a:endParaRPr lang="en-US" dirty="0"/>
           </a:p>

--- a/translations/en-us/beyond/EV3PiLight.pptx
+++ b/translations/en-us/beyond/EV3PiLight.pptx
@@ -607,7 +607,7 @@
             </a:lvl1pPr>
           </a:lstStyle>
           <a:p>
-            <a:fld id="{6659CB61-2DEA-4517-A987-AB225A195277}" type="datetime1">
+            <a:fld id="{7103D41D-05A3-4C40-9ACB-2DC6656F348F}" type="datetime1">
               <a:rPr lang="en-US" smtClean="0"/>
               <a:t>2/4/2016</a:t>
             </a:fld>
@@ -645,7 +645,7 @@
           <a:p>
             <a:r>
               <a:rPr lang="en-US" smtClean="0"/>
-              <a:t>© EV3Lessons 2016 (Last Update: 2/1/2016)</a:t>
+              <a:t>© EV3Lessons 2016 (Last Update: 2/4/2016)</a:t>
             </a:r>
             <a:endParaRPr lang="en-US" dirty="0"/>
           </a:p>
@@ -1183,7 +1183,7 @@
           <a:bodyPr/>
           <a:lstStyle/>
           <a:p>
-            <a:fld id="{3E8288C0-0A62-4E52-9821-76D6869F313E}" type="datetime1">
+            <a:fld id="{B0958C5E-2106-4FFC-82B6-87D381E5E5AD}" type="datetime1">
               <a:rPr lang="en-US" smtClean="0"/>
               <a:t>2/4/2016</a:t>
             </a:fld>
@@ -1208,7 +1208,7 @@
           <a:p>
             <a:r>
               <a:rPr lang="en-US" smtClean="0"/>
-              <a:t>© EV3Lessons 2016 (Last Update: 2/1/2016)</a:t>
+              <a:t>© EV3Lessons 2016 (Last Update: 2/4/2016)</a:t>
             </a:r>
             <a:endParaRPr lang="en-US" dirty="0"/>
           </a:p>
@@ -1367,7 +1367,7 @@
           <a:bodyPr/>
           <a:lstStyle/>
           <a:p>
-            <a:fld id="{9F802595-7B31-4117-8085-05F09E43AD07}" type="datetime1">
+            <a:fld id="{E1146D95-0297-4D5B-819F-714F0AF951DA}" type="datetime1">
               <a:rPr lang="en-US" smtClean="0"/>
               <a:t>2/4/2016</a:t>
             </a:fld>
@@ -1392,7 +1392,7 @@
           <a:p>
             <a:r>
               <a:rPr lang="en-US" smtClean="0"/>
-              <a:t>© EV3Lessons 2016 (Last Update: 2/1/2016)</a:t>
+              <a:t>© EV3Lessons 2016 (Last Update: 2/4/2016)</a:t>
             </a:r>
             <a:endParaRPr lang="en-US" dirty="0"/>
           </a:p>
@@ -1551,7 +1551,7 @@
           <a:bodyPr/>
           <a:lstStyle/>
           <a:p>
-            <a:fld id="{9AC84248-B266-49D2-85E8-2F0F7F2E1C16}" type="datetime1">
+            <a:fld id="{920F5290-DAC1-45C4-89D6-7B5A6A649791}" type="datetime1">
               <a:rPr lang="en-US" smtClean="0"/>
               <a:t>2/4/2016</a:t>
             </a:fld>
@@ -1576,7 +1576,7 @@
           <a:p>
             <a:r>
               <a:rPr lang="en-US" smtClean="0"/>
-              <a:t>© EV3Lessons 2016 (Last Update: 2/1/2016)</a:t>
+              <a:t>© EV3Lessons 2016 (Last Update: 2/4/2016)</a:t>
             </a:r>
             <a:endParaRPr lang="en-US" dirty="0"/>
           </a:p>
@@ -1827,7 +1827,7 @@
             </a:lvl1pPr>
           </a:lstStyle>
           <a:p>
-            <a:fld id="{1AF1CA78-EF42-49DA-B1BC-E88C07BA5961}" type="datetime1">
+            <a:fld id="{71955E78-4FBE-4108-B03F-F62E31197BF9}" type="datetime1">
               <a:rPr lang="en-US" smtClean="0"/>
               <a:t>2/4/2016</a:t>
             </a:fld>
@@ -1865,7 +1865,7 @@
           <a:p>
             <a:r>
               <a:rPr lang="en-US" smtClean="0"/>
-              <a:t>© EV3Lessons 2016 (Last Update: 2/1/2016)</a:t>
+              <a:t>© EV3Lessons 2016 (Last Update: 2/4/2016)</a:t>
             </a:r>
             <a:endParaRPr lang="en-US" dirty="0"/>
           </a:p>
@@ -2281,7 +2281,7 @@
           <a:bodyPr/>
           <a:lstStyle/>
           <a:p>
-            <a:fld id="{57DB22FE-60EE-4D9A-9374-8DAA1CE49218}" type="datetime1">
+            <a:fld id="{705A3DF5-4A13-4DA7-A113-24509D6A71D0}" type="datetime1">
               <a:rPr lang="en-US" smtClean="0"/>
               <a:t>2/4/2016</a:t>
             </a:fld>
@@ -2306,7 +2306,7 @@
           <a:p>
             <a:r>
               <a:rPr lang="en-US" smtClean="0"/>
-              <a:t>© EV3Lessons 2016 (Last Update: 2/1/2016)</a:t>
+              <a:t>© EV3Lessons 2016 (Last Update: 2/4/2016)</a:t>
             </a:r>
             <a:endParaRPr lang="en-US" dirty="0"/>
           </a:p>
@@ -2762,7 +2762,7 @@
           <a:bodyPr/>
           <a:lstStyle/>
           <a:p>
-            <a:fld id="{28C131BF-DE6D-40FE-873C-B3EA788CC217}" type="datetime1">
+            <a:fld id="{E673CE4A-BEE8-4DA1-9B02-665051B50106}" type="datetime1">
               <a:rPr lang="en-US" smtClean="0"/>
               <a:t>2/4/2016</a:t>
             </a:fld>
@@ -2787,7 +2787,7 @@
           <a:p>
             <a:r>
               <a:rPr lang="en-US" smtClean="0"/>
-              <a:t>© EV3Lessons 2016 (Last Update: 2/1/2016)</a:t>
+              <a:t>© EV3Lessons 2016 (Last Update: 2/4/2016)</a:t>
             </a:r>
             <a:endParaRPr lang="en-US" dirty="0"/>
           </a:p>
@@ -2884,7 +2884,7 @@
           <a:bodyPr/>
           <a:lstStyle/>
           <a:p>
-            <a:fld id="{EFBB1A3B-79DC-4968-A99F-0815B05292E7}" type="datetime1">
+            <a:fld id="{CD5D0621-72C3-4C1C-8C78-056CE3EE18C9}" type="datetime1">
               <a:rPr lang="en-US" smtClean="0"/>
               <a:t>2/4/2016</a:t>
             </a:fld>
@@ -2909,7 +2909,7 @@
           <a:p>
             <a:r>
               <a:rPr lang="en-US" smtClean="0"/>
-              <a:t>© EV3Lessons 2016 (Last Update: 2/1/2016)</a:t>
+              <a:t>© EV3Lessons 2016 (Last Update: 2/4/2016)</a:t>
             </a:r>
             <a:endParaRPr lang="en-US" dirty="0"/>
           </a:p>
@@ -2983,7 +2983,7 @@
           <a:bodyPr/>
           <a:lstStyle/>
           <a:p>
-            <a:fld id="{171D39CC-C161-4DE6-8CA4-37828BB976AD}" type="datetime1">
+            <a:fld id="{486F5302-7E34-4C39-A3B6-5D4B81151AC4}" type="datetime1">
               <a:rPr lang="en-US" smtClean="0"/>
               <a:t>2/4/2016</a:t>
             </a:fld>
@@ -3008,7 +3008,7 @@
           <a:p>
             <a:r>
               <a:rPr lang="en-US" smtClean="0"/>
-              <a:t>© EV3Lessons 2016 (Last Update: 2/1/2016)</a:t>
+              <a:t>© EV3Lessons 2016 (Last Update: 2/4/2016)</a:t>
             </a:r>
             <a:endParaRPr lang="en-US" dirty="0"/>
           </a:p>
@@ -3335,7 +3335,7 @@
             </a:lvl1pPr>
           </a:lstStyle>
           <a:p>
-            <a:fld id="{58C73D84-F863-4EEF-8D47-14C23CFB4A27}" type="datetime1">
+            <a:fld id="{4C9E4390-16F4-4D86-B43E-07931FEAE34D}" type="datetime1">
               <a:rPr lang="en-US" smtClean="0"/>
               <a:t>2/4/2016</a:t>
             </a:fld>
@@ -3373,7 +3373,7 @@
           <a:p>
             <a:r>
               <a:rPr lang="en-US" smtClean="0"/>
-              <a:t>© EV3Lessons 2016 (Last Update: 2/1/2016)</a:t>
+              <a:t>© EV3Lessons 2016 (Last Update: 2/4/2016)</a:t>
             </a:r>
             <a:endParaRPr lang="en-US" dirty="0"/>
           </a:p>
@@ -3767,7 +3767,7 @@
             </a:lvl1pPr>
           </a:lstStyle>
           <a:p>
-            <a:fld id="{116CE153-30F2-4103-8692-C979032A9042}" type="datetime1">
+            <a:fld id="{11EB6925-A122-4157-9029-CDE1BB1B559E}" type="datetime1">
               <a:rPr lang="en-US" smtClean="0"/>
               <a:t>2/4/2016</a:t>
             </a:fld>
@@ -3805,7 +3805,7 @@
           <a:p>
             <a:r>
               <a:rPr lang="en-US" smtClean="0"/>
-              <a:t>© EV3Lessons 2016 (Last Update: 2/1/2016)</a:t>
+              <a:t>© EV3Lessons 2016 (Last Update: 2/4/2016)</a:t>
             </a:r>
             <a:endParaRPr lang="en-US" dirty="0"/>
           </a:p>
@@ -4084,7 +4084,7 @@
             </a:lvl1pPr>
           </a:lstStyle>
           <a:p>
-            <a:fld id="{829560A7-9765-403C-8C2C-3F4CCC292F8A}" type="datetime1">
+            <a:fld id="{43200B81-6845-4CEE-B241-D653C4C2F388}" type="datetime1">
               <a:rPr lang="en-US" smtClean="0"/>
               <a:t>2/4/2016</a:t>
             </a:fld>
@@ -4125,7 +4125,7 @@
           <a:p>
             <a:r>
               <a:rPr lang="en-US" smtClean="0"/>
-              <a:t>© EV3Lessons 2016 (Last Update: 2/1/2016)</a:t>
+              <a:t>© EV3Lessons 2016 (Last Update: 2/4/2016)</a:t>
             </a:r>
             <a:endParaRPr lang="en-US" dirty="0"/>
           </a:p>
@@ -4396,7 +4396,7 @@
     <p:sldLayoutId id="2147483874" r:id="rId10"/>
     <p:sldLayoutId id="2147483875" r:id="rId11"/>
   </p:sldLayoutIdLst>
-  <p:hf hdr="0" dt="0"/>
+  <p:hf sldNum="0" hdr="0" dt="0"/>
   <p:txStyles>
     <p:titleStyle>
       <a:lvl1pPr algn="l" defTabSz="685800" rtl="0" eaLnBrk="1" latinLnBrk="0" hangingPunct="1">
@@ -4968,31 +4968,8 @@
           <a:p>
             <a:r>
               <a:rPr lang="en-US" smtClean="0"/>
-              <a:t>© EV3Lessons 2016 (Last Update: 2/1/2016)</a:t>
-            </a:r>
-            <a:endParaRPr lang="en-US" dirty="0"/>
-          </a:p>
-        </p:txBody>
-      </p:sp>
-      <p:sp>
-        <p:nvSpPr>
-          <p:cNvPr id="5" name="Slide Number Placeholder 4"/>
-          <p:cNvSpPr>
-            <a:spLocks noGrp="1"/>
-          </p:cNvSpPr>
-          <p:nvPr>
-            <p:ph type="sldNum" sz="quarter" idx="12"/>
-          </p:nvPr>
-        </p:nvSpPr>
-        <p:spPr/>
-        <p:txBody>
-          <a:bodyPr/>
-          <a:lstStyle/>
-          <a:p>
-            <a:fld id="{4FAB73BC-B049-4115-A692-8D63A059BFB8}" type="slidenum">
-              <a:rPr lang="en-US" smtClean="0"/>
-              <a:t>10</a:t>
-            </a:fld>
+              <a:t>© EV3Lessons 2016 (Last Update: 2/4/2016)</a:t>
+            </a:r>
             <a:endParaRPr lang="en-US" dirty="0"/>
           </a:p>
         </p:txBody>
@@ -5195,31 +5172,8 @@
           <a:p>
             <a:r>
               <a:rPr lang="en-US" smtClean="0"/>
-              <a:t>© EV3Lessons 2016 (Last Update: 2/1/2016)</a:t>
-            </a:r>
-            <a:endParaRPr lang="en-US" dirty="0"/>
-          </a:p>
-        </p:txBody>
-      </p:sp>
-      <p:sp>
-        <p:nvSpPr>
-          <p:cNvPr id="5" name="Slide Number Placeholder 4"/>
-          <p:cNvSpPr>
-            <a:spLocks noGrp="1"/>
-          </p:cNvSpPr>
-          <p:nvPr>
-            <p:ph type="sldNum" sz="quarter" idx="12"/>
-          </p:nvPr>
-        </p:nvSpPr>
-        <p:spPr/>
-        <p:txBody>
-          <a:bodyPr/>
-          <a:lstStyle/>
-          <a:p>
-            <a:fld id="{4FAB73BC-B049-4115-A692-8D63A059BFB8}" type="slidenum">
-              <a:rPr lang="en-US" smtClean="0"/>
-              <a:t>11</a:t>
-            </a:fld>
+              <a:t>© EV3Lessons 2016 (Last Update: 2/4/2016)</a:t>
+            </a:r>
             <a:endParaRPr lang="en-US" dirty="0"/>
           </a:p>
         </p:txBody>
@@ -5357,31 +5311,8 @@
           <a:p>
             <a:r>
               <a:rPr lang="en-US" smtClean="0"/>
-              <a:t>© EV3Lessons 2016 (Last Update: 2/1/2016)</a:t>
-            </a:r>
-            <a:endParaRPr lang="en-US" dirty="0"/>
-          </a:p>
-        </p:txBody>
-      </p:sp>
-      <p:sp>
-        <p:nvSpPr>
-          <p:cNvPr id="5" name="Slide Number Placeholder 4"/>
-          <p:cNvSpPr>
-            <a:spLocks noGrp="1"/>
-          </p:cNvSpPr>
-          <p:nvPr>
-            <p:ph type="sldNum" sz="quarter" idx="12"/>
-          </p:nvPr>
-        </p:nvSpPr>
-        <p:spPr/>
-        <p:txBody>
-          <a:bodyPr/>
-          <a:lstStyle/>
-          <a:p>
-            <a:fld id="{4FAB73BC-B049-4115-A692-8D63A059BFB8}" type="slidenum">
-              <a:rPr lang="en-US" smtClean="0"/>
-              <a:t>12</a:t>
-            </a:fld>
+              <a:t>© EV3Lessons 2016 (Last Update: 2/4/2016)</a:t>
+            </a:r>
             <a:endParaRPr lang="en-US" dirty="0"/>
           </a:p>
         </p:txBody>
@@ -5456,38 +5387,15 @@
           <a:p>
             <a:r>
               <a:rPr lang="en-US" smtClean="0"/>
-              <a:t>© EV3Lessons 2016 (Last Update: 2/1/2016)</a:t>
-            </a:r>
-            <a:endParaRPr lang="en-US" dirty="0"/>
-          </a:p>
-        </p:txBody>
-      </p:sp>
-      <p:sp>
-        <p:nvSpPr>
-          <p:cNvPr id="5" name="Slide Number Placeholder 4"/>
-          <p:cNvSpPr>
-            <a:spLocks noGrp="1"/>
-          </p:cNvSpPr>
-          <p:nvPr>
-            <p:ph type="sldNum" sz="quarter" idx="12"/>
-          </p:nvPr>
-        </p:nvSpPr>
-        <p:spPr/>
-        <p:txBody>
-          <a:bodyPr/>
-          <a:lstStyle/>
-          <a:p>
-            <a:fld id="{4FAB73BC-B049-4115-A692-8D63A059BFB8}" type="slidenum">
-              <a:rPr lang="en-US" smtClean="0"/>
-              <a:t>13</a:t>
-            </a:fld>
+              <a:t>© EV3Lessons 2016 (Last Update: 2/4/2016)</a:t>
+            </a:r>
             <a:endParaRPr lang="en-US" dirty="0"/>
           </a:p>
         </p:txBody>
       </p:sp>
       <p:pic>
         <p:nvPicPr>
-          <p:cNvPr id="7" name="Content Placeholder 6" descr="Screen Clipping"/>
+          <p:cNvPr id="6" name="Content Placeholder 5" descr="LEGO MINDSTORMS Education EV3 Teacher Edition"/>
           <p:cNvPicPr>
             <a:picLocks noGrp="1" noChangeAspect="1"/>
           </p:cNvPicPr>
@@ -5495,16 +5403,15 @@
             <p:ph idx="1"/>
           </p:nvPr>
         </p:nvPicPr>
-        <p:blipFill>
+        <p:blipFill rotWithShape="1">
           <a:blip r:embed="rId2"/>
-          <a:stretch>
-            <a:fillRect/>
-          </a:stretch>
+          <a:srcRect l="16162" t="17484" r="15701" b="24192"/>
+          <a:stretch/>
         </p:blipFill>
         <p:spPr>
           <a:xfrm>
-            <a:off x="333375" y="2329668"/>
-            <a:ext cx="8451850" cy="2940027"/>
+            <a:off x="74644" y="1408926"/>
+            <a:ext cx="8938726" cy="3331028"/>
           </a:xfrm>
         </p:spPr>
       </p:pic>
@@ -5660,12 +5567,8 @@
               <a:t> for the IR remote </a:t>
             </a:r>
             <a:r>
-              <a:rPr lang="en-US" sz="1800" u="sng" dirty="0" err="1" smtClean="0"/>
-              <a:t>recoder</a:t>
-            </a:r>
-            <a:r>
               <a:rPr lang="en-US" sz="1800" u="sng" dirty="0" smtClean="0"/>
-              <a:t> </a:t>
+              <a:t>recorder </a:t>
             </a:r>
             <a:r>
               <a:rPr lang="en-US" sz="1800" dirty="0" smtClean="0"/>
@@ -5707,7 +5610,7 @@
           <a:p>
             <a:r>
               <a:rPr lang="en-US" smtClean="0"/>
-              <a:t>© EV3Lessons 2016 (Last Update: 2/1/2016)</a:t>
+              <a:t>© EV3Lessons 2016 (Last Update: 2/4/2016)</a:t>
             </a:r>
             <a:endParaRPr lang="en-US" dirty="0"/>
           </a:p>
@@ -5738,7 +5641,7 @@
           <a:effectLst/>
           <a:extLst>
             <a:ext uri="{91240B29-F687-4f45-9708-019B960494DF}">
-              <a14:hiddenLine xmlns:a14="http://schemas.microsoft.com/office/drawing/2010/main" xmlns="" w="9525">
+              <a14:hiddenLine xmlns="" xmlns:a14="http://schemas.microsoft.com/office/drawing/2010/main" w="9525">
                 <a:solidFill>
                   <a:schemeClr val="tx1"/>
                 </a:solidFill>
@@ -5748,7 +5651,7 @@
               </a14:hiddenLine>
             </a:ext>
             <a:ext uri="{AF507438-7753-43e0-B8FC-AC1667EBCBE1}">
-              <a14:hiddenEffects xmlns:a14="http://schemas.microsoft.com/office/drawing/2010/main" xmlns="">
+              <a14:hiddenEffects xmlns="" xmlns:a14="http://schemas.microsoft.com/office/drawing/2010/main">
                 <a:effectLst>
                   <a:outerShdw dist="35921" dir="2700000" algn="ctr" rotWithShape="0">
                     <a:schemeClr val="bg2"/>
@@ -6101,7 +6004,7 @@
           <a:noFill/>
           <a:extLst>
             <a:ext uri="{909E8E84-426E-40dd-AFC4-6F175D3DCCD1}">
-              <a14:hiddenFill xmlns:a14="http://schemas.microsoft.com/office/drawing/2010/main" xmlns="">
+              <a14:hiddenFill xmlns="" xmlns:a14="http://schemas.microsoft.com/office/drawing/2010/main">
                 <a:solidFill>
                   <a:srgbClr val="FFFFFF"/>
                 </a:solidFill>
@@ -6110,29 +6013,6 @@
           </a:extLst>
         </p:spPr>
       </p:pic>
-      <p:sp>
-        <p:nvSpPr>
-          <p:cNvPr id="5" name="Slide Number Placeholder 4"/>
-          <p:cNvSpPr>
-            <a:spLocks noGrp="1"/>
-          </p:cNvSpPr>
-          <p:nvPr>
-            <p:ph type="sldNum" sz="quarter" idx="12"/>
-          </p:nvPr>
-        </p:nvSpPr>
-        <p:spPr/>
-        <p:txBody>
-          <a:bodyPr/>
-          <a:lstStyle/>
-          <a:p>
-            <a:fld id="{4DBC7FC8-25FB-FC45-8177-2B991DA6778C}" type="slidenum">
-              <a:rPr lang="en-US" smtClean="0"/>
-              <a:t>14</a:t>
-            </a:fld>
-            <a:endParaRPr lang="en-US"/>
-          </a:p>
-        </p:txBody>
-      </p:sp>
     </p:spTree>
     <p:extLst>
       <p:ext uri="{BB962C8B-B14F-4D97-AF65-F5344CB8AC3E}">
@@ -6311,31 +6191,8 @@
           <a:p>
             <a:r>
               <a:rPr lang="en-US" smtClean="0"/>
-              <a:t>© EV3Lessons 2016 (Last Update: 2/1/2016)</a:t>
-            </a:r>
-            <a:endParaRPr lang="en-US" dirty="0"/>
-          </a:p>
-        </p:txBody>
-      </p:sp>
-      <p:sp>
-        <p:nvSpPr>
-          <p:cNvPr id="5" name="Slide Number Placeholder 4"/>
-          <p:cNvSpPr>
-            <a:spLocks noGrp="1"/>
-          </p:cNvSpPr>
-          <p:nvPr>
-            <p:ph type="sldNum" sz="quarter" idx="12"/>
-          </p:nvPr>
-        </p:nvSpPr>
-        <p:spPr/>
-        <p:txBody>
-          <a:bodyPr/>
-          <a:lstStyle/>
-          <a:p>
-            <a:fld id="{4FAB73BC-B049-4115-A692-8D63A059BFB8}" type="slidenum">
-              <a:rPr lang="en-US" smtClean="0"/>
-              <a:t>2</a:t>
-            </a:fld>
+              <a:t>© EV3Lessons 2016 (Last Update: 2/4/2016)</a:t>
+            </a:r>
             <a:endParaRPr lang="en-US" dirty="0"/>
           </a:p>
         </p:txBody>
@@ -6529,32 +6386,9 @@
           <a:lstStyle/>
           <a:p>
             <a:r>
-              <a:rPr lang="en-US" dirty="0" smtClean="0"/>
-              <a:t>© EV3Lessons 2016 (Last Update: 2/1/2016)</a:t>
-            </a:r>
-            <a:endParaRPr lang="en-US" dirty="0"/>
-          </a:p>
-        </p:txBody>
-      </p:sp>
-      <p:sp>
-        <p:nvSpPr>
-          <p:cNvPr id="5" name="Slide Number Placeholder 4"/>
-          <p:cNvSpPr>
-            <a:spLocks noGrp="1"/>
-          </p:cNvSpPr>
-          <p:nvPr>
-            <p:ph type="sldNum" sz="quarter" idx="12"/>
-          </p:nvPr>
-        </p:nvSpPr>
-        <p:spPr/>
-        <p:txBody>
-          <a:bodyPr/>
-          <a:lstStyle/>
-          <a:p>
-            <a:fld id="{4FAB73BC-B049-4115-A692-8D63A059BFB8}" type="slidenum">
-              <a:rPr lang="en-US" smtClean="0"/>
-              <a:t>3</a:t>
-            </a:fld>
+              <a:rPr lang="en-US" smtClean="0"/>
+              <a:t>© EV3Lessons 2016 (Last Update: 2/4/2016)</a:t>
+            </a:r>
             <a:endParaRPr lang="en-US" dirty="0"/>
           </a:p>
         </p:txBody>
@@ -6941,31 +6775,8 @@
           <a:p>
             <a:r>
               <a:rPr lang="en-US" smtClean="0"/>
-              <a:t>© EV3Lessons 2016 (Last Update: 2/1/2016)</a:t>
-            </a:r>
-            <a:endParaRPr lang="en-US" dirty="0"/>
-          </a:p>
-        </p:txBody>
-      </p:sp>
-      <p:sp>
-        <p:nvSpPr>
-          <p:cNvPr id="5" name="Slide Number Placeholder 4"/>
-          <p:cNvSpPr>
-            <a:spLocks noGrp="1"/>
-          </p:cNvSpPr>
-          <p:nvPr>
-            <p:ph type="sldNum" sz="quarter" idx="12"/>
-          </p:nvPr>
-        </p:nvSpPr>
-        <p:spPr/>
-        <p:txBody>
-          <a:bodyPr/>
-          <a:lstStyle/>
-          <a:p>
-            <a:fld id="{4FAB73BC-B049-4115-A692-8D63A059BFB8}" type="slidenum">
-              <a:rPr lang="en-US" smtClean="0"/>
-              <a:t>4</a:t>
-            </a:fld>
+              <a:t>© EV3Lessons 2016 (Last Update: 2/4/2016)</a:t>
+            </a:r>
             <a:endParaRPr lang="en-US" dirty="0"/>
           </a:p>
         </p:txBody>
@@ -7040,31 +6851,8 @@
           <a:p>
             <a:r>
               <a:rPr lang="en-US" smtClean="0"/>
-              <a:t>© EV3Lessons 2016 (Last Update: 2/1/2016)</a:t>
-            </a:r>
-            <a:endParaRPr lang="en-US" dirty="0"/>
-          </a:p>
-        </p:txBody>
-      </p:sp>
-      <p:sp>
-        <p:nvSpPr>
-          <p:cNvPr id="5" name="Slide Number Placeholder 4"/>
-          <p:cNvSpPr>
-            <a:spLocks noGrp="1"/>
-          </p:cNvSpPr>
-          <p:nvPr>
-            <p:ph type="sldNum" sz="quarter" idx="12"/>
-          </p:nvPr>
-        </p:nvSpPr>
-        <p:spPr/>
-        <p:txBody>
-          <a:bodyPr/>
-          <a:lstStyle/>
-          <a:p>
-            <a:fld id="{4FAB73BC-B049-4115-A692-8D63A059BFB8}" type="slidenum">
-              <a:rPr lang="en-US" smtClean="0"/>
-              <a:t>5</a:t>
-            </a:fld>
+              <a:t>© EV3Lessons 2016 (Last Update: 2/4/2016)</a:t>
+            </a:r>
             <a:endParaRPr lang="en-US" dirty="0"/>
           </a:p>
         </p:txBody>
@@ -8363,31 +8151,8 @@
           <a:p>
             <a:r>
               <a:rPr lang="en-US" smtClean="0"/>
-              <a:t>© EV3Lessons 2016 (Last Update: 2/1/2016)</a:t>
-            </a:r>
-            <a:endParaRPr lang="en-US" dirty="0"/>
-          </a:p>
-        </p:txBody>
-      </p:sp>
-      <p:sp>
-        <p:nvSpPr>
-          <p:cNvPr id="5" name="Slide Number Placeholder 4"/>
-          <p:cNvSpPr>
-            <a:spLocks noGrp="1"/>
-          </p:cNvSpPr>
-          <p:nvPr>
-            <p:ph type="sldNum" sz="quarter" idx="12"/>
-          </p:nvPr>
-        </p:nvSpPr>
-        <p:spPr/>
-        <p:txBody>
-          <a:bodyPr/>
-          <a:lstStyle/>
-          <a:p>
-            <a:fld id="{4FAB73BC-B049-4115-A692-8D63A059BFB8}" type="slidenum">
-              <a:rPr lang="en-US" smtClean="0"/>
-              <a:t>6</a:t>
-            </a:fld>
+              <a:t>© EV3Lessons 2016 (Last Update: 2/4/2016)</a:t>
+            </a:r>
             <a:endParaRPr lang="en-US" dirty="0"/>
           </a:p>
         </p:txBody>
@@ -9064,31 +8829,8 @@
           <a:p>
             <a:r>
               <a:rPr lang="en-US" smtClean="0"/>
-              <a:t>© EV3Lessons 2016 (Last Update: 2/1/2016)</a:t>
-            </a:r>
-            <a:endParaRPr lang="en-US" dirty="0"/>
-          </a:p>
-        </p:txBody>
-      </p:sp>
-      <p:sp>
-        <p:nvSpPr>
-          <p:cNvPr id="5" name="Slide Number Placeholder 4"/>
-          <p:cNvSpPr>
-            <a:spLocks noGrp="1"/>
-          </p:cNvSpPr>
-          <p:nvPr>
-            <p:ph type="sldNum" sz="quarter" idx="12"/>
-          </p:nvPr>
-        </p:nvSpPr>
-        <p:spPr/>
-        <p:txBody>
-          <a:bodyPr/>
-          <a:lstStyle/>
-          <a:p>
-            <a:fld id="{4FAB73BC-B049-4115-A692-8D63A059BFB8}" type="slidenum">
-              <a:rPr lang="en-US" smtClean="0"/>
-              <a:t>7</a:t>
-            </a:fld>
+              <a:t>© EV3Lessons 2016 (Last Update: 2/4/2016)</a:t>
+            </a:r>
             <a:endParaRPr lang="en-US" dirty="0"/>
           </a:p>
         </p:txBody>
@@ -9394,31 +9136,8 @@
           <a:p>
             <a:r>
               <a:rPr lang="en-US" smtClean="0"/>
-              <a:t>© EV3Lessons 2016 (Last Update: 2/1/2016)</a:t>
-            </a:r>
-            <a:endParaRPr lang="en-US" dirty="0"/>
-          </a:p>
-        </p:txBody>
-      </p:sp>
-      <p:sp>
-        <p:nvSpPr>
-          <p:cNvPr id="5" name="Slide Number Placeholder 4"/>
-          <p:cNvSpPr>
-            <a:spLocks noGrp="1"/>
-          </p:cNvSpPr>
-          <p:nvPr>
-            <p:ph type="sldNum" sz="quarter" idx="12"/>
-          </p:nvPr>
-        </p:nvSpPr>
-        <p:spPr/>
-        <p:txBody>
-          <a:bodyPr/>
-          <a:lstStyle/>
-          <a:p>
-            <a:fld id="{4FAB73BC-B049-4115-A692-8D63A059BFB8}" type="slidenum">
-              <a:rPr lang="en-US" smtClean="0"/>
-              <a:t>8</a:t>
-            </a:fld>
+              <a:t>© EV3Lessons 2016 (Last Update: 2/4/2016)</a:t>
+            </a:r>
             <a:endParaRPr lang="en-US" dirty="0"/>
           </a:p>
         </p:txBody>
@@ -9708,31 +9427,8 @@
           <a:p>
             <a:r>
               <a:rPr lang="en-US" smtClean="0"/>
-              <a:t>© EV3Lessons 2016 (Last Update: 2/1/2016)</a:t>
-            </a:r>
-            <a:endParaRPr lang="en-US" dirty="0"/>
-          </a:p>
-        </p:txBody>
-      </p:sp>
-      <p:sp>
-        <p:nvSpPr>
-          <p:cNvPr id="5" name="Slide Number Placeholder 4"/>
-          <p:cNvSpPr>
-            <a:spLocks noGrp="1"/>
-          </p:cNvSpPr>
-          <p:nvPr>
-            <p:ph type="sldNum" sz="quarter" idx="12"/>
-          </p:nvPr>
-        </p:nvSpPr>
-        <p:spPr/>
-        <p:txBody>
-          <a:bodyPr/>
-          <a:lstStyle/>
-          <a:p>
-            <a:fld id="{4FAB73BC-B049-4115-A692-8D63A059BFB8}" type="slidenum">
-              <a:rPr lang="en-US" smtClean="0"/>
-              <a:t>9</a:t>
-            </a:fld>
+              <a:t>© EV3Lessons 2016 (Last Update: 2/4/2016)</a:t>
+            </a:r>
             <a:endParaRPr lang="en-US" dirty="0"/>
           </a:p>
         </p:txBody>

--- a/translations/en-us/beyond/EV3PiLight.pptx
+++ b/translations/en-us/beyond/EV3PiLight.pptx
@@ -210,7 +210,7 @@
           <a:p>
             <a:fld id="{B56219CF-C82C-D140-AFDA-2B230CE4D65C}" type="datetimeFigureOut">
               <a:rPr lang="en-US" smtClean="0"/>
-              <a:t>2/4/2016</a:t>
+              <a:t>2/8/2016</a:t>
             </a:fld>
             <a:endParaRPr lang="en-US"/>
           </a:p>
@@ -609,7 +609,7 @@
           <a:p>
             <a:fld id="{7103D41D-05A3-4C40-9ACB-2DC6656F348F}" type="datetime1">
               <a:rPr lang="en-US" smtClean="0"/>
-              <a:t>2/4/2016</a:t>
+              <a:t>2/8/2016</a:t>
             </a:fld>
             <a:endParaRPr lang="en-US" dirty="0"/>
           </a:p>
@@ -1185,7 +1185,7 @@
           <a:p>
             <a:fld id="{B0958C5E-2106-4FFC-82B6-87D381E5E5AD}" type="datetime1">
               <a:rPr lang="en-US" smtClean="0"/>
-              <a:t>2/4/2016</a:t>
+              <a:t>2/8/2016</a:t>
             </a:fld>
             <a:endParaRPr lang="en-US" dirty="0"/>
           </a:p>
@@ -1369,7 +1369,7 @@
           <a:p>
             <a:fld id="{E1146D95-0297-4D5B-819F-714F0AF951DA}" type="datetime1">
               <a:rPr lang="en-US" smtClean="0"/>
-              <a:t>2/4/2016</a:t>
+              <a:t>2/8/2016</a:t>
             </a:fld>
             <a:endParaRPr lang="en-US" dirty="0"/>
           </a:p>
@@ -1553,7 +1553,7 @@
           <a:p>
             <a:fld id="{920F5290-DAC1-45C4-89D6-7B5A6A649791}" type="datetime1">
               <a:rPr lang="en-US" smtClean="0"/>
-              <a:t>2/4/2016</a:t>
+              <a:t>2/8/2016</a:t>
             </a:fld>
             <a:endParaRPr lang="en-US" dirty="0"/>
           </a:p>
@@ -1829,7 +1829,7 @@
           <a:p>
             <a:fld id="{71955E78-4FBE-4108-B03F-F62E31197BF9}" type="datetime1">
               <a:rPr lang="en-US" smtClean="0"/>
-              <a:t>2/4/2016</a:t>
+              <a:t>2/8/2016</a:t>
             </a:fld>
             <a:endParaRPr lang="en-US" dirty="0"/>
           </a:p>
@@ -2283,7 +2283,7 @@
           <a:p>
             <a:fld id="{705A3DF5-4A13-4DA7-A113-24509D6A71D0}" type="datetime1">
               <a:rPr lang="en-US" smtClean="0"/>
-              <a:t>2/4/2016</a:t>
+              <a:t>2/8/2016</a:t>
             </a:fld>
             <a:endParaRPr lang="en-US" dirty="0"/>
           </a:p>
@@ -2764,7 +2764,7 @@
           <a:p>
             <a:fld id="{E673CE4A-BEE8-4DA1-9B02-665051B50106}" type="datetime1">
               <a:rPr lang="en-US" smtClean="0"/>
-              <a:t>2/4/2016</a:t>
+              <a:t>2/8/2016</a:t>
             </a:fld>
             <a:endParaRPr lang="en-US" dirty="0"/>
           </a:p>
@@ -2886,7 +2886,7 @@
           <a:p>
             <a:fld id="{CD5D0621-72C3-4C1C-8C78-056CE3EE18C9}" type="datetime1">
               <a:rPr lang="en-US" smtClean="0"/>
-              <a:t>2/4/2016</a:t>
+              <a:t>2/8/2016</a:t>
             </a:fld>
             <a:endParaRPr lang="en-US" dirty="0"/>
           </a:p>
@@ -2985,7 +2985,7 @@
           <a:p>
             <a:fld id="{486F5302-7E34-4C39-A3B6-5D4B81151AC4}" type="datetime1">
               <a:rPr lang="en-US" smtClean="0"/>
-              <a:t>2/4/2016</a:t>
+              <a:t>2/8/2016</a:t>
             </a:fld>
             <a:endParaRPr lang="en-US" dirty="0"/>
           </a:p>
@@ -3337,7 +3337,7 @@
           <a:p>
             <a:fld id="{4C9E4390-16F4-4D86-B43E-07931FEAE34D}" type="datetime1">
               <a:rPr lang="en-US" smtClean="0"/>
-              <a:t>2/4/2016</a:t>
+              <a:t>2/8/2016</a:t>
             </a:fld>
             <a:endParaRPr lang="en-US" dirty="0"/>
           </a:p>
@@ -3769,7 +3769,7 @@
           <a:p>
             <a:fld id="{11EB6925-A122-4157-9029-CDE1BB1B559E}" type="datetime1">
               <a:rPr lang="en-US" smtClean="0"/>
-              <a:t>2/4/2016</a:t>
+              <a:t>2/8/2016</a:t>
             </a:fld>
             <a:endParaRPr lang="en-US" dirty="0"/>
           </a:p>
@@ -4086,7 +4086,7 @@
           <a:p>
             <a:fld id="{43200B81-6845-4CEE-B241-D653C4C2F388}" type="datetime1">
               <a:rPr lang="en-US" smtClean="0"/>
-              <a:t>2/4/2016</a:t>
+              <a:t>2/8/2016</a:t>
             </a:fld>
             <a:endParaRPr lang="en-US" dirty="0"/>
           </a:p>
@@ -5564,11 +5564,7 @@
             </a:r>
             <a:r>
               <a:rPr lang="en-US" sz="1800" u="sng" dirty="0" smtClean="0"/>
-              <a:t> for the IR remote </a:t>
-            </a:r>
-            <a:r>
-              <a:rPr lang="en-US" sz="1800" u="sng" dirty="0" smtClean="0"/>
-              <a:t>recorder </a:t>
+              <a:t> for the IR remote recorder </a:t>
             </a:r>
             <a:r>
               <a:rPr lang="en-US" sz="1800" dirty="0" smtClean="0"/>
@@ -5641,7 +5637,7 @@
           <a:effectLst/>
           <a:extLst>
             <a:ext uri="{91240B29-F687-4f45-9708-019B960494DF}">
-              <a14:hiddenLine xmlns="" xmlns:a14="http://schemas.microsoft.com/office/drawing/2010/main" w="9525">
+              <a14:hiddenLine xmlns:a14="http://schemas.microsoft.com/office/drawing/2010/main" xmlns="" w="9525">
                 <a:solidFill>
                   <a:schemeClr val="tx1"/>
                 </a:solidFill>
@@ -5651,7 +5647,7 @@
               </a14:hiddenLine>
             </a:ext>
             <a:ext uri="{AF507438-7753-43e0-B8FC-AC1667EBCBE1}">
-              <a14:hiddenEffects xmlns="" xmlns:a14="http://schemas.microsoft.com/office/drawing/2010/main">
+              <a14:hiddenEffects xmlns:a14="http://schemas.microsoft.com/office/drawing/2010/main" xmlns="">
                 <a:effectLst>
                   <a:outerShdw dist="35921" dir="2700000" algn="ctr" rotWithShape="0">
                     <a:schemeClr val="bg2"/>
@@ -6004,7 +6000,7 @@
           <a:noFill/>
           <a:extLst>
             <a:ext uri="{909E8E84-426E-40dd-AFC4-6F175D3DCCD1}">
-              <a14:hiddenFill xmlns="" xmlns:a14="http://schemas.microsoft.com/office/drawing/2010/main">
+              <a14:hiddenFill xmlns:a14="http://schemas.microsoft.com/office/drawing/2010/main" xmlns="">
                 <a:solidFill>
                   <a:srgbClr val="FFFFFF"/>
                 </a:solidFill>
@@ -7861,7 +7857,15 @@
             <a:pPr lvl="1"/>
             <a:r>
               <a:rPr lang="en-US" dirty="0"/>
-              <a:t>add these lines at the end to make LIRC start up on boot and set the IR sensor pin to Pin-18 and IR LED pin(for later) to Pin-17:</a:t>
+              <a:t>add these lines at the end to make LIRC start up on boot and set the IR sensor pin to Pin-18 and IR LED </a:t>
+            </a:r>
+            <a:r>
+              <a:rPr lang="en-US" dirty="0" smtClean="0"/>
+              <a:t>pin to </a:t>
+            </a:r>
+            <a:r>
+              <a:rPr lang="en-US" dirty="0"/>
+              <a:t>Pin-17:</a:t>
             </a:r>
           </a:p>
           <a:p>
@@ -9235,8 +9239,15 @@
               <a:t> </a:t>
             </a:r>
             <a:r>
+              <a:rPr lang="en-US" i="1" dirty="0">
+                <a:latin typeface="Courier New" panose="02070309020205020404" pitchFamily="49" charset="0"/>
+                <a:cs typeface="Courier New" panose="02070309020205020404" pitchFamily="49" charset="0"/>
+              </a:rPr>
+              <a:t>scan</a:t>
+            </a:r>
+            <a:r>
               <a:rPr lang="en-US" dirty="0"/>
-              <a:t>scan </a:t>
+              <a:t> </a:t>
             </a:r>
             <a:r>
               <a:rPr lang="en-US" dirty="0" smtClean="0"/>
